--- a/开发部署一体化PPT/创建工程步骤.pptx
+++ b/开发部署一体化PPT/创建工程步骤.pptx
@@ -32,6 +32,12 @@
     <p:sldId id="280" r:id="rId26"/>
     <p:sldId id="281" r:id="rId27"/>
     <p:sldId id="282" r:id="rId28"/>
+    <p:sldId id="283" r:id="rId29"/>
+    <p:sldId id="284" r:id="rId30"/>
+    <p:sldId id="285" r:id="rId31"/>
+    <p:sldId id="286" r:id="rId32"/>
+    <p:sldId id="287" r:id="rId33"/>
+    <p:sldId id="288" r:id="rId34"/>
   </p:sldIdLst>
   <p:sldSz cx="9144000" cy="6858000" type="screen4x3"/>
   <p:notesSz cx="6858000" cy="9144000"/>
@@ -314,7 +320,7 @@
           <a:p>
             <a:fld id="{530820CF-B880-4189-942D-D702A7CBA730}" type="datetimeFigureOut">
               <a:rPr lang="zh-CN" altLang="en-US" smtClean="0"/>
-              <a:t>2016/6/28</a:t>
+              <a:t>2016/9/12</a:t>
             </a:fld>
             <a:endParaRPr lang="zh-CN" altLang="en-US"/>
           </a:p>
@@ -479,7 +485,7 @@
           <a:p>
             <a:fld id="{530820CF-B880-4189-942D-D702A7CBA730}" type="datetimeFigureOut">
               <a:rPr lang="zh-CN" altLang="en-US" smtClean="0"/>
-              <a:t>2016/6/28</a:t>
+              <a:t>2016/9/12</a:t>
             </a:fld>
             <a:endParaRPr lang="zh-CN" altLang="en-US"/>
           </a:p>
@@ -654,7 +660,7 @@
           <a:p>
             <a:fld id="{530820CF-B880-4189-942D-D702A7CBA730}" type="datetimeFigureOut">
               <a:rPr lang="zh-CN" altLang="en-US" smtClean="0"/>
-              <a:t>2016/6/28</a:t>
+              <a:t>2016/9/12</a:t>
             </a:fld>
             <a:endParaRPr lang="zh-CN" altLang="en-US"/>
           </a:p>
@@ -819,7 +825,7 @@
           <a:p>
             <a:fld id="{530820CF-B880-4189-942D-D702A7CBA730}" type="datetimeFigureOut">
               <a:rPr lang="zh-CN" altLang="en-US" smtClean="0"/>
-              <a:t>2016/6/28</a:t>
+              <a:t>2016/9/12</a:t>
             </a:fld>
             <a:endParaRPr lang="zh-CN" altLang="en-US"/>
           </a:p>
@@ -1060,7 +1066,7 @@
           <a:p>
             <a:fld id="{530820CF-B880-4189-942D-D702A7CBA730}" type="datetimeFigureOut">
               <a:rPr lang="zh-CN" altLang="en-US" smtClean="0"/>
-              <a:t>2016/6/28</a:t>
+              <a:t>2016/9/12</a:t>
             </a:fld>
             <a:endParaRPr lang="zh-CN" altLang="en-US"/>
           </a:p>
@@ -1343,7 +1349,7 @@
           <a:p>
             <a:fld id="{530820CF-B880-4189-942D-D702A7CBA730}" type="datetimeFigureOut">
               <a:rPr lang="zh-CN" altLang="en-US" smtClean="0"/>
-              <a:t>2016/6/28</a:t>
+              <a:t>2016/9/12</a:t>
             </a:fld>
             <a:endParaRPr lang="zh-CN" altLang="en-US"/>
           </a:p>
@@ -1760,7 +1766,7 @@
           <a:p>
             <a:fld id="{530820CF-B880-4189-942D-D702A7CBA730}" type="datetimeFigureOut">
               <a:rPr lang="zh-CN" altLang="en-US" smtClean="0"/>
-              <a:t>2016/6/28</a:t>
+              <a:t>2016/9/12</a:t>
             </a:fld>
             <a:endParaRPr lang="zh-CN" altLang="en-US"/>
           </a:p>
@@ -1873,7 +1879,7 @@
           <a:p>
             <a:fld id="{530820CF-B880-4189-942D-D702A7CBA730}" type="datetimeFigureOut">
               <a:rPr lang="zh-CN" altLang="en-US" smtClean="0"/>
-              <a:t>2016/6/28</a:t>
+              <a:t>2016/9/12</a:t>
             </a:fld>
             <a:endParaRPr lang="zh-CN" altLang="en-US"/>
           </a:p>
@@ -1963,7 +1969,7 @@
           <a:p>
             <a:fld id="{530820CF-B880-4189-942D-D702A7CBA730}" type="datetimeFigureOut">
               <a:rPr lang="zh-CN" altLang="en-US" smtClean="0"/>
-              <a:t>2016/6/28</a:t>
+              <a:t>2016/9/12</a:t>
             </a:fld>
             <a:endParaRPr lang="zh-CN" altLang="en-US"/>
           </a:p>
@@ -2235,7 +2241,7 @@
           <a:p>
             <a:fld id="{530820CF-B880-4189-942D-D702A7CBA730}" type="datetimeFigureOut">
               <a:rPr lang="zh-CN" altLang="en-US" smtClean="0"/>
-              <a:t>2016/6/28</a:t>
+              <a:t>2016/9/12</a:t>
             </a:fld>
             <a:endParaRPr lang="zh-CN" altLang="en-US"/>
           </a:p>
@@ -2483,7 +2489,7 @@
           <a:p>
             <a:fld id="{530820CF-B880-4189-942D-D702A7CBA730}" type="datetimeFigureOut">
               <a:rPr lang="zh-CN" altLang="en-US" smtClean="0"/>
-              <a:t>2016/6/28</a:t>
+              <a:t>2016/9/12</a:t>
             </a:fld>
             <a:endParaRPr lang="zh-CN" altLang="en-US"/>
           </a:p>
@@ -2691,7 +2697,7 @@
           <a:p>
             <a:fld id="{530820CF-B880-4189-942D-D702A7CBA730}" type="datetimeFigureOut">
               <a:rPr lang="zh-CN" altLang="en-US" smtClean="0"/>
-              <a:t>2016/6/28</a:t>
+              <a:t>2016/9/12</a:t>
             </a:fld>
             <a:endParaRPr lang="zh-CN" altLang="en-US"/>
           </a:p>
@@ -3480,7 +3486,7 @@
           <a:graphicData uri="http://schemas.openxmlformats.org/presentationml/2006/ole">
             <mc:AlternateContent xmlns:mc="http://schemas.openxmlformats.org/markup-compatibility/2006">
               <mc:Choice xmlns:v="urn:schemas-microsoft-com:vml" Requires="v">
-                <p:oleObj spid="_x0000_s18447" name="包装程序外壳对象" showAsIcon="1" r:id="rId3" imgW="800280" imgH="711360" progId="Package">
+                <p:oleObj spid="_x0000_s18454" name="包装程序外壳对象" showAsIcon="1" r:id="rId3" imgW="800280" imgH="711360" progId="Package">
                   <p:embed/>
                 </p:oleObj>
               </mc:Choice>
@@ -5064,7 +5070,6 @@
               <a:rPr lang="zh-CN" altLang="en-US" dirty="0"/>
               <a:t>配置</a:t>
             </a:r>
-            <a:endParaRPr lang="zh-CN" altLang="en-US" dirty="0"/>
           </a:p>
         </p:txBody>
       </p:sp>
@@ -6554,6 +6559,420 @@
 </p:sld>
 </file>
 
+<file path=ppt/slides/slide28.xml><?xml version="1.0" encoding="utf-8"?>
+<p:sld xmlns:a="http://schemas.openxmlformats.org/drawingml/2006/main" xmlns:r="http://schemas.openxmlformats.org/officeDocument/2006/relationships" xmlns:p="http://schemas.openxmlformats.org/presentationml/2006/main">
+  <p:cSld>
+    <p:spTree>
+      <p:nvGrpSpPr>
+        <p:cNvPr id="1" name=""/>
+        <p:cNvGrpSpPr/>
+        <p:nvPr/>
+      </p:nvGrpSpPr>
+      <p:grpSpPr>
+        <a:xfrm>
+          <a:off x="0" y="0"/>
+          <a:ext cx="0" cy="0"/>
+          <a:chOff x="0" y="0"/>
+          <a:chExt cx="0" cy="0"/>
+        </a:xfrm>
+      </p:grpSpPr>
+      <p:sp>
+        <p:nvSpPr>
+          <p:cNvPr id="2" name="标题 1"/>
+          <p:cNvSpPr>
+            <a:spLocks noGrp="1"/>
+          </p:cNvSpPr>
+          <p:nvPr>
+            <p:ph type="title"/>
+          </p:nvPr>
+        </p:nvSpPr>
+        <p:spPr/>
+        <p:txBody>
+          <a:bodyPr/>
+          <a:lstStyle/>
+          <a:p>
+            <a:r>
+              <a:rPr lang="zh-CN" altLang="en-US" dirty="0" smtClean="0"/>
+              <a:t>修改工程备忘录</a:t>
+            </a:r>
+            <a:endParaRPr lang="zh-CN" altLang="en-US" dirty="0"/>
+          </a:p>
+        </p:txBody>
+      </p:sp>
+      <p:sp>
+        <p:nvSpPr>
+          <p:cNvPr id="3" name="内容占位符 2"/>
+          <p:cNvSpPr>
+            <a:spLocks noGrp="1"/>
+          </p:cNvSpPr>
+          <p:nvPr>
+            <p:ph idx="1"/>
+          </p:nvPr>
+        </p:nvSpPr>
+        <p:spPr/>
+        <p:txBody>
+          <a:bodyPr/>
+          <a:lstStyle/>
+          <a:p>
+            <a:r>
+              <a:rPr lang="en-US" altLang="zh-CN" dirty="0" err="1" smtClean="0"/>
+              <a:t>goods.sql</a:t>
+            </a:r>
+            <a:endParaRPr lang="en-US" altLang="zh-CN" dirty="0" smtClean="0"/>
+          </a:p>
+          <a:p>
+            <a:r>
+              <a:rPr lang="en-US" altLang="zh-CN" dirty="0" err="1" smtClean="0"/>
+              <a:t>goods.data</a:t>
+            </a:r>
+            <a:endParaRPr lang="en-US" altLang="zh-CN" dirty="0" smtClean="0"/>
+          </a:p>
+          <a:p>
+            <a:r>
+              <a:rPr lang="en-US" altLang="zh-CN" dirty="0" err="1" smtClean="0"/>
+              <a:t>goods.api</a:t>
+            </a:r>
+            <a:endParaRPr lang="en-US" altLang="zh-CN" dirty="0" smtClean="0"/>
+          </a:p>
+          <a:p>
+            <a:endParaRPr lang="zh-CN" altLang="en-US" dirty="0"/>
+          </a:p>
+        </p:txBody>
+      </p:sp>
+    </p:spTree>
+    <p:extLst>
+      <p:ext uri="{BB962C8B-B14F-4D97-AF65-F5344CB8AC3E}">
+        <p14:creationId xmlns:p14="http://schemas.microsoft.com/office/powerpoint/2010/main" val="1919398426"/>
+      </p:ext>
+    </p:extLst>
+  </p:cSld>
+  <p:clrMapOvr>
+    <a:masterClrMapping/>
+  </p:clrMapOvr>
+</p:sld>
+</file>
+
+<file path=ppt/slides/slide29.xml><?xml version="1.0" encoding="utf-8"?>
+<p:sld xmlns:a="http://schemas.openxmlformats.org/drawingml/2006/main" xmlns:r="http://schemas.openxmlformats.org/officeDocument/2006/relationships" xmlns:p="http://schemas.openxmlformats.org/presentationml/2006/main">
+  <p:cSld>
+    <p:spTree>
+      <p:nvGrpSpPr>
+        <p:cNvPr id="1" name=""/>
+        <p:cNvGrpSpPr/>
+        <p:nvPr/>
+      </p:nvGrpSpPr>
+      <p:grpSpPr>
+        <a:xfrm>
+          <a:off x="0" y="0"/>
+          <a:ext cx="0" cy="0"/>
+          <a:chOff x="0" y="0"/>
+          <a:chExt cx="0" cy="0"/>
+        </a:xfrm>
+      </p:grpSpPr>
+      <p:sp>
+        <p:nvSpPr>
+          <p:cNvPr id="2" name="标题 1"/>
+          <p:cNvSpPr>
+            <a:spLocks noGrp="1"/>
+          </p:cNvSpPr>
+          <p:nvPr>
+            <p:ph type="title"/>
+          </p:nvPr>
+        </p:nvSpPr>
+        <p:spPr/>
+        <p:txBody>
+          <a:bodyPr/>
+          <a:lstStyle/>
+          <a:p>
+            <a:r>
+              <a:rPr lang="en-US" altLang="zh-CN" dirty="0" err="1" smtClean="0"/>
+              <a:t>dao</a:t>
+            </a:r>
+            <a:endParaRPr lang="zh-CN" altLang="en-US" dirty="0"/>
+          </a:p>
+        </p:txBody>
+      </p:sp>
+      <p:sp>
+        <p:nvSpPr>
+          <p:cNvPr id="3" name="内容占位符 2"/>
+          <p:cNvSpPr>
+            <a:spLocks noGrp="1"/>
+          </p:cNvSpPr>
+          <p:nvPr>
+            <p:ph idx="1"/>
+          </p:nvPr>
+        </p:nvSpPr>
+        <p:spPr/>
+        <p:txBody>
+          <a:bodyPr>
+            <a:normAutofit fontScale="40000" lnSpcReduction="20000"/>
+          </a:bodyPr>
+          <a:lstStyle/>
+          <a:p>
+            <a:r>
+              <a:rPr lang="en-US" altLang="zh-CN" dirty="0"/>
+              <a:t>&lt;project </a:t>
+            </a:r>
+            <a:r>
+              <a:rPr lang="en-US" altLang="zh-CN" dirty="0" err="1"/>
+              <a:t>xmlns</a:t>
+            </a:r>
+            <a:r>
+              <a:rPr lang="en-US" altLang="zh-CN" dirty="0"/>
+              <a:t>="http://maven.apache.org/POM/4.0.0" </a:t>
+            </a:r>
+            <a:r>
+              <a:rPr lang="en-US" altLang="zh-CN" dirty="0" err="1"/>
+              <a:t>xmlns:xsi</a:t>
+            </a:r>
+            <a:r>
+              <a:rPr lang="en-US" altLang="zh-CN" dirty="0"/>
+              <a:t>="http://www.w3.org/2001/XMLSchema-instance"</a:t>
+            </a:r>
+          </a:p>
+          <a:p>
+            <a:r>
+              <a:rPr lang="en-US" altLang="zh-CN" dirty="0"/>
+              <a:t>  </a:t>
+            </a:r>
+            <a:r>
+              <a:rPr lang="en-US" altLang="zh-CN" dirty="0" err="1"/>
+              <a:t>xsi:schemaLocation</a:t>
+            </a:r>
+            <a:r>
+              <a:rPr lang="en-US" altLang="zh-CN" dirty="0"/>
+              <a:t>="http://maven.apache.org/POM/4.0.0 http://maven.apache.org/xsd/maven-4.0.0.xsd"&gt;</a:t>
+            </a:r>
+          </a:p>
+          <a:p>
+            <a:r>
+              <a:rPr lang="en-US" altLang="zh-CN" dirty="0"/>
+              <a:t>  &lt;</a:t>
+            </a:r>
+            <a:r>
+              <a:rPr lang="en-US" altLang="zh-CN" dirty="0" err="1"/>
+              <a:t>modelVersion</a:t>
+            </a:r>
+            <a:r>
+              <a:rPr lang="en-US" altLang="zh-CN" dirty="0"/>
+              <a:t>&gt;4.0.0&lt;/</a:t>
+            </a:r>
+            <a:r>
+              <a:rPr lang="en-US" altLang="zh-CN" dirty="0" err="1"/>
+              <a:t>modelVersion</a:t>
+            </a:r>
+            <a:r>
+              <a:rPr lang="en-US" altLang="zh-CN" dirty="0"/>
+              <a:t>&gt;</a:t>
+            </a:r>
+          </a:p>
+          <a:p>
+            <a:r>
+              <a:rPr lang="en-US" altLang="zh-CN" dirty="0"/>
+              <a:t>	&lt;parent&gt;</a:t>
+            </a:r>
+          </a:p>
+          <a:p>
+            <a:r>
+              <a:rPr lang="en-US" altLang="zh-CN" dirty="0"/>
+              <a:t>		&lt;</a:t>
+            </a:r>
+            <a:r>
+              <a:rPr lang="en-US" altLang="zh-CN" dirty="0" err="1"/>
+              <a:t>groupId</a:t>
+            </a:r>
+            <a:r>
+              <a:rPr lang="en-US" altLang="zh-CN" dirty="0"/>
+              <a:t>&gt;</a:t>
+            </a:r>
+            <a:r>
+              <a:rPr lang="en-US" altLang="zh-CN" dirty="0" err="1"/>
+              <a:t>com.zyhao</a:t>
+            </a:r>
+            <a:r>
+              <a:rPr lang="en-US" altLang="zh-CN" dirty="0"/>
+              <a:t>&lt;/</a:t>
+            </a:r>
+            <a:r>
+              <a:rPr lang="en-US" altLang="zh-CN" dirty="0" err="1"/>
+              <a:t>groupId</a:t>
+            </a:r>
+            <a:r>
+              <a:rPr lang="en-US" altLang="zh-CN" dirty="0"/>
+              <a:t>&gt;</a:t>
+            </a:r>
+          </a:p>
+          <a:p>
+            <a:r>
+              <a:rPr lang="en-US" altLang="zh-CN" dirty="0"/>
+              <a:t>  		&lt;</a:t>
+            </a:r>
+            <a:r>
+              <a:rPr lang="en-US" altLang="zh-CN" dirty="0" err="1"/>
+              <a:t>artifactId</a:t>
+            </a:r>
+            <a:r>
+              <a:rPr lang="en-US" altLang="zh-CN" dirty="0"/>
+              <a:t>&gt;</a:t>
+            </a:r>
+            <a:r>
+              <a:rPr lang="en-US" altLang="zh-CN" dirty="0" err="1"/>
+              <a:t>core.dao.parent</a:t>
+            </a:r>
+            <a:r>
+              <a:rPr lang="en-US" altLang="zh-CN" dirty="0"/>
+              <a:t>&lt;/</a:t>
+            </a:r>
+            <a:r>
+              <a:rPr lang="en-US" altLang="zh-CN" dirty="0" err="1"/>
+              <a:t>artifactId</a:t>
+            </a:r>
+            <a:r>
+              <a:rPr lang="en-US" altLang="zh-CN" dirty="0"/>
+              <a:t>&gt;</a:t>
+            </a:r>
+          </a:p>
+          <a:p>
+            <a:r>
+              <a:rPr lang="en-US" altLang="zh-CN" dirty="0"/>
+              <a:t>  		&lt;version&gt;0.0.2-SNAPSHOT&lt;/version&gt;</a:t>
+            </a:r>
+          </a:p>
+          <a:p>
+            <a:r>
+              <a:rPr lang="en-US" altLang="zh-CN" dirty="0"/>
+              <a:t>		&lt;</a:t>
+            </a:r>
+            <a:r>
+              <a:rPr lang="en-US" altLang="zh-CN" dirty="0" err="1"/>
+              <a:t>relativePath</a:t>
+            </a:r>
+            <a:r>
+              <a:rPr lang="en-US" altLang="zh-CN" dirty="0"/>
+              <a:t>&gt;&lt;/</a:t>
+            </a:r>
+            <a:r>
+              <a:rPr lang="en-US" altLang="zh-CN" dirty="0" err="1"/>
+              <a:t>relativePath</a:t>
+            </a:r>
+            <a:r>
+              <a:rPr lang="en-US" altLang="zh-CN" dirty="0"/>
+              <a:t>&gt;</a:t>
+            </a:r>
+          </a:p>
+          <a:p>
+            <a:r>
+              <a:rPr lang="en-US" altLang="zh-CN" dirty="0"/>
+              <a:t>	&lt;/parent&gt;</a:t>
+            </a:r>
+          </a:p>
+          <a:p>
+            <a:r>
+              <a:rPr lang="en-US" altLang="zh-CN" dirty="0"/>
+              <a:t>  &lt;</a:t>
+            </a:r>
+            <a:r>
+              <a:rPr lang="en-US" altLang="zh-CN" dirty="0" err="1"/>
+              <a:t>artifactId</a:t>
+            </a:r>
+            <a:r>
+              <a:rPr lang="en-US" altLang="zh-CN" dirty="0"/>
+              <a:t>&gt;</a:t>
+            </a:r>
+            <a:r>
+              <a:rPr lang="en-US" altLang="zh-CN" dirty="0" err="1"/>
+              <a:t>cart.dao</a:t>
+            </a:r>
+            <a:r>
+              <a:rPr lang="en-US" altLang="zh-CN" dirty="0"/>
+              <a:t>&lt;/</a:t>
+            </a:r>
+            <a:r>
+              <a:rPr lang="en-US" altLang="zh-CN" dirty="0" err="1"/>
+              <a:t>artifactId</a:t>
+            </a:r>
+            <a:r>
+              <a:rPr lang="en-US" altLang="zh-CN" dirty="0"/>
+              <a:t>&gt;</a:t>
+            </a:r>
+          </a:p>
+          <a:p>
+            <a:r>
+              <a:rPr lang="en-US" altLang="zh-CN" dirty="0"/>
+              <a:t>  &lt;packaging&gt;jar&lt;/packaging&gt;</a:t>
+            </a:r>
+          </a:p>
+          <a:p>
+            <a:endParaRPr lang="en-US" altLang="zh-CN" dirty="0"/>
+          </a:p>
+          <a:p>
+            <a:r>
+              <a:rPr lang="en-US" altLang="zh-CN" dirty="0"/>
+              <a:t>  &lt;name&gt;</a:t>
+            </a:r>
+            <a:r>
+              <a:rPr lang="en-US" altLang="zh-CN" dirty="0" err="1"/>
+              <a:t>cart.dao</a:t>
+            </a:r>
+            <a:r>
+              <a:rPr lang="en-US" altLang="zh-CN" dirty="0"/>
+              <a:t>&lt;/name&gt;</a:t>
+            </a:r>
+          </a:p>
+          <a:p>
+            <a:r>
+              <a:rPr lang="en-US" altLang="zh-CN" dirty="0"/>
+              <a:t>  </a:t>
+            </a:r>
+          </a:p>
+          <a:p>
+            <a:r>
+              <a:rPr lang="en-US" altLang="zh-CN" dirty="0"/>
+              <a:t>  &lt;dependencies&gt;</a:t>
+            </a:r>
+          </a:p>
+          <a:p>
+            <a:r>
+              <a:rPr lang="en-US" altLang="zh-CN" dirty="0"/>
+              <a:t>		</a:t>
+            </a:r>
+          </a:p>
+          <a:p>
+            <a:r>
+              <a:rPr lang="en-US" altLang="zh-CN" dirty="0"/>
+              <a:t>  &lt;/dependencies&gt; </a:t>
+            </a:r>
+          </a:p>
+          <a:p>
+            <a:r>
+              <a:rPr lang="en-US" altLang="zh-CN" dirty="0"/>
+              <a:t>   </a:t>
+            </a:r>
+          </a:p>
+          <a:p>
+            <a:r>
+              <a:rPr lang="en-US" altLang="zh-CN" dirty="0"/>
+              <a:t>&lt;/project&gt;</a:t>
+            </a:r>
+          </a:p>
+          <a:p>
+            <a:endParaRPr lang="zh-CN" altLang="en-US" dirty="0"/>
+          </a:p>
+        </p:txBody>
+      </p:sp>
+    </p:spTree>
+    <p:extLst>
+      <p:ext uri="{BB962C8B-B14F-4D97-AF65-F5344CB8AC3E}">
+        <p14:creationId xmlns:p14="http://schemas.microsoft.com/office/powerpoint/2010/main" val="2464052266"/>
+      </p:ext>
+    </p:extLst>
+  </p:cSld>
+  <p:clrMapOvr>
+    <a:masterClrMapping/>
+  </p:clrMapOvr>
+</p:sld>
+</file>
+
 <file path=ppt/slides/slide3.xml><?xml version="1.0" encoding="utf-8"?>
 <p:sld xmlns:a="http://schemas.openxmlformats.org/drawingml/2006/main" xmlns:r="http://schemas.openxmlformats.org/officeDocument/2006/relationships" xmlns:p="http://schemas.openxmlformats.org/presentationml/2006/main">
   <p:cSld>
@@ -6671,6 +7090,425 @@
     <p:extLst>
       <p:ext uri="{BB962C8B-B14F-4D97-AF65-F5344CB8AC3E}">
         <p14:creationId xmlns:p14="http://schemas.microsoft.com/office/powerpoint/2010/main" val="1911301074"/>
+      </p:ext>
+    </p:extLst>
+  </p:cSld>
+  <p:clrMapOvr>
+    <a:masterClrMapping/>
+  </p:clrMapOvr>
+</p:sld>
+</file>
+
+<file path=ppt/slides/slide30.xml><?xml version="1.0" encoding="utf-8"?>
+<p:sld xmlns:a="http://schemas.openxmlformats.org/drawingml/2006/main" xmlns:r="http://schemas.openxmlformats.org/officeDocument/2006/relationships" xmlns:p="http://schemas.openxmlformats.org/presentationml/2006/main">
+  <p:cSld>
+    <p:spTree>
+      <p:nvGrpSpPr>
+        <p:cNvPr id="1" name=""/>
+        <p:cNvGrpSpPr/>
+        <p:nvPr/>
+      </p:nvGrpSpPr>
+      <p:grpSpPr>
+        <a:xfrm>
+          <a:off x="0" y="0"/>
+          <a:ext cx="0" cy="0"/>
+          <a:chOff x="0" y="0"/>
+          <a:chExt cx="0" cy="0"/>
+        </a:xfrm>
+      </p:grpSpPr>
+      <p:sp>
+        <p:nvSpPr>
+          <p:cNvPr id="2" name="标题 1"/>
+          <p:cNvSpPr>
+            <a:spLocks noGrp="1"/>
+          </p:cNvSpPr>
+          <p:nvPr>
+            <p:ph type="title"/>
+          </p:nvPr>
+        </p:nvSpPr>
+        <p:spPr/>
+        <p:txBody>
+          <a:bodyPr>
+            <a:normAutofit/>
+          </a:bodyPr>
+          <a:lstStyle/>
+          <a:p>
+            <a:r>
+              <a:rPr lang="en-US" altLang="zh-CN" dirty="0" err="1" smtClean="0"/>
+              <a:t>Api</a:t>
+            </a:r>
+            <a:endParaRPr lang="zh-CN" altLang="en-US" dirty="0"/>
+          </a:p>
+        </p:txBody>
+      </p:sp>
+      <p:sp>
+        <p:nvSpPr>
+          <p:cNvPr id="3" name="内容占位符 2"/>
+          <p:cNvSpPr>
+            <a:spLocks noGrp="1"/>
+          </p:cNvSpPr>
+          <p:nvPr>
+            <p:ph idx="1"/>
+          </p:nvPr>
+        </p:nvSpPr>
+        <p:spPr/>
+        <p:txBody>
+          <a:bodyPr/>
+          <a:lstStyle/>
+          <a:p>
+            <a:endParaRPr lang="zh-CN" altLang="en-US" dirty="0"/>
+          </a:p>
+        </p:txBody>
+      </p:sp>
+    </p:spTree>
+    <p:extLst>
+      <p:ext uri="{BB962C8B-B14F-4D97-AF65-F5344CB8AC3E}">
+        <p14:creationId xmlns:p14="http://schemas.microsoft.com/office/powerpoint/2010/main" val="4159131050"/>
+      </p:ext>
+    </p:extLst>
+  </p:cSld>
+  <p:clrMapOvr>
+    <a:masterClrMapping/>
+  </p:clrMapOvr>
+</p:sld>
+</file>
+
+<file path=ppt/slides/slide31.xml><?xml version="1.0" encoding="utf-8"?>
+<p:sld xmlns:a="http://schemas.openxmlformats.org/drawingml/2006/main" xmlns:r="http://schemas.openxmlformats.org/officeDocument/2006/relationships" xmlns:p="http://schemas.openxmlformats.org/presentationml/2006/main">
+  <p:cSld>
+    <p:spTree>
+      <p:nvGrpSpPr>
+        <p:cNvPr id="1" name=""/>
+        <p:cNvGrpSpPr/>
+        <p:nvPr/>
+      </p:nvGrpSpPr>
+      <p:grpSpPr>
+        <a:xfrm>
+          <a:off x="0" y="0"/>
+          <a:ext cx="0" cy="0"/>
+          <a:chOff x="0" y="0"/>
+          <a:chExt cx="0" cy="0"/>
+        </a:xfrm>
+      </p:grpSpPr>
+      <p:sp>
+        <p:nvSpPr>
+          <p:cNvPr id="2" name="标题 1"/>
+          <p:cNvSpPr>
+            <a:spLocks noGrp="1"/>
+          </p:cNvSpPr>
+          <p:nvPr>
+            <p:ph type="title"/>
+          </p:nvPr>
+        </p:nvSpPr>
+        <p:spPr/>
+        <p:txBody>
+          <a:bodyPr/>
+          <a:lstStyle/>
+          <a:p>
+            <a:endParaRPr lang="zh-CN" altLang="en-US"/>
+          </a:p>
+        </p:txBody>
+      </p:sp>
+      <p:sp>
+        <p:nvSpPr>
+          <p:cNvPr id="3" name="内容占位符 2"/>
+          <p:cNvSpPr>
+            <a:spLocks noGrp="1"/>
+          </p:cNvSpPr>
+          <p:nvPr>
+            <p:ph idx="1"/>
+          </p:nvPr>
+        </p:nvSpPr>
+        <p:spPr/>
+        <p:txBody>
+          <a:bodyPr/>
+          <a:lstStyle/>
+          <a:p>
+            <a:r>
+              <a:rPr lang="en-US" altLang="zh-CN" dirty="0" err="1"/>
+              <a:t>com.zyhao.goods</a:t>
+            </a:r>
+            <a:endParaRPr lang="zh-CN" altLang="en-US" dirty="0"/>
+          </a:p>
+        </p:txBody>
+      </p:sp>
+    </p:spTree>
+    <p:extLst>
+      <p:ext uri="{BB962C8B-B14F-4D97-AF65-F5344CB8AC3E}">
+        <p14:creationId xmlns:p14="http://schemas.microsoft.com/office/powerpoint/2010/main" val="3615341765"/>
+      </p:ext>
+    </p:extLst>
+  </p:cSld>
+  <p:clrMapOvr>
+    <a:masterClrMapping/>
+  </p:clrMapOvr>
+</p:sld>
+</file>
+
+<file path=ppt/slides/slide32.xml><?xml version="1.0" encoding="utf-8"?>
+<p:sld xmlns:a="http://schemas.openxmlformats.org/drawingml/2006/main" xmlns:r="http://schemas.openxmlformats.org/officeDocument/2006/relationships" xmlns:p="http://schemas.openxmlformats.org/presentationml/2006/main">
+  <p:cSld>
+    <p:spTree>
+      <p:nvGrpSpPr>
+        <p:cNvPr id="1" name=""/>
+        <p:cNvGrpSpPr/>
+        <p:nvPr/>
+      </p:nvGrpSpPr>
+      <p:grpSpPr>
+        <a:xfrm>
+          <a:off x="0" y="0"/>
+          <a:ext cx="0" cy="0"/>
+          <a:chOff x="0" y="0"/>
+          <a:chExt cx="0" cy="0"/>
+        </a:xfrm>
+      </p:grpSpPr>
+      <p:sp>
+        <p:nvSpPr>
+          <p:cNvPr id="2" name="标题 1"/>
+          <p:cNvSpPr>
+            <a:spLocks noGrp="1"/>
+          </p:cNvSpPr>
+          <p:nvPr>
+            <p:ph type="title"/>
+          </p:nvPr>
+        </p:nvSpPr>
+        <p:spPr/>
+        <p:txBody>
+          <a:bodyPr/>
+          <a:lstStyle/>
+          <a:p>
+            <a:endParaRPr lang="zh-CN" altLang="en-US"/>
+          </a:p>
+        </p:txBody>
+      </p:sp>
+      <p:sp>
+        <p:nvSpPr>
+          <p:cNvPr id="3" name="内容占位符 2"/>
+          <p:cNvSpPr>
+            <a:spLocks noGrp="1"/>
+          </p:cNvSpPr>
+          <p:nvPr>
+            <p:ph idx="1"/>
+          </p:nvPr>
+        </p:nvSpPr>
+        <p:spPr/>
+        <p:txBody>
+          <a:bodyPr/>
+          <a:lstStyle/>
+          <a:p>
+            <a:r>
+              <a:rPr lang="en-US" altLang="zh-CN" dirty="0" smtClean="0"/>
+              <a:t>dataBean.xml</a:t>
+            </a:r>
+          </a:p>
+          <a:p>
+            <a:r>
+              <a:rPr lang="en-US" altLang="zh-CN" i="1" dirty="0" err="1" smtClean="0"/>
+              <a:t>com.github.miemiedev.mybatis.paginator.dialect.MySQLDialect</a:t>
+            </a:r>
+            <a:endParaRPr lang="en-US" altLang="zh-CN" i="1" dirty="0" smtClean="0"/>
+          </a:p>
+          <a:p>
+            <a:r>
+              <a:rPr lang="en-US" altLang="zh-CN" i="1" dirty="0" err="1"/>
+              <a:t>java:comp</a:t>
+            </a:r>
+            <a:r>
+              <a:rPr lang="en-US" altLang="zh-CN" i="1" dirty="0"/>
+              <a:t>/</a:t>
+            </a:r>
+            <a:r>
+              <a:rPr lang="en-US" altLang="zh-CN" i="1" dirty="0" err="1"/>
+              <a:t>env</a:t>
+            </a:r>
+            <a:r>
+              <a:rPr lang="en-US" altLang="zh-CN" i="1" dirty="0"/>
+              <a:t>/</a:t>
+            </a:r>
+            <a:r>
+              <a:rPr lang="en-US" altLang="zh-CN" i="1" dirty="0" err="1"/>
+              <a:t>jdbc</a:t>
+            </a:r>
+            <a:r>
+              <a:rPr lang="en-US" altLang="zh-CN" i="1" dirty="0"/>
+              <a:t>/</a:t>
+            </a:r>
+            <a:r>
+              <a:rPr lang="en-US" altLang="zh-CN" i="1" dirty="0" err="1"/>
+              <a:t>goodsdb</a:t>
+            </a:r>
+            <a:endParaRPr lang="zh-CN" altLang="en-US" dirty="0"/>
+          </a:p>
+        </p:txBody>
+      </p:sp>
+    </p:spTree>
+    <p:extLst>
+      <p:ext uri="{BB962C8B-B14F-4D97-AF65-F5344CB8AC3E}">
+        <p14:creationId xmlns:p14="http://schemas.microsoft.com/office/powerpoint/2010/main" val="43896555"/>
+      </p:ext>
+    </p:extLst>
+  </p:cSld>
+  <p:clrMapOvr>
+    <a:masterClrMapping/>
+  </p:clrMapOvr>
+</p:sld>
+</file>
+
+<file path=ppt/slides/slide33.xml><?xml version="1.0" encoding="utf-8"?>
+<p:sld xmlns:a="http://schemas.openxmlformats.org/drawingml/2006/main" xmlns:r="http://schemas.openxmlformats.org/officeDocument/2006/relationships" xmlns:p="http://schemas.openxmlformats.org/presentationml/2006/main">
+  <p:cSld>
+    <p:spTree>
+      <p:nvGrpSpPr>
+        <p:cNvPr id="1" name=""/>
+        <p:cNvGrpSpPr/>
+        <p:nvPr/>
+      </p:nvGrpSpPr>
+      <p:grpSpPr>
+        <a:xfrm>
+          <a:off x="0" y="0"/>
+          <a:ext cx="0" cy="0"/>
+          <a:chOff x="0" y="0"/>
+          <a:chExt cx="0" cy="0"/>
+        </a:xfrm>
+      </p:grpSpPr>
+      <p:sp>
+        <p:nvSpPr>
+          <p:cNvPr id="2" name="标题 1"/>
+          <p:cNvSpPr>
+            <a:spLocks noGrp="1"/>
+          </p:cNvSpPr>
+          <p:nvPr>
+            <p:ph type="title"/>
+          </p:nvPr>
+        </p:nvSpPr>
+        <p:spPr/>
+        <p:txBody>
+          <a:bodyPr/>
+          <a:lstStyle/>
+          <a:p>
+            <a:r>
+              <a:rPr lang="en-US" altLang="zh-CN" smtClean="0"/>
+              <a:t>logback</a:t>
+            </a:r>
+            <a:endParaRPr lang="zh-CN" altLang="en-US" dirty="0"/>
+          </a:p>
+        </p:txBody>
+      </p:sp>
+      <p:sp>
+        <p:nvSpPr>
+          <p:cNvPr id="3" name="内容占位符 2"/>
+          <p:cNvSpPr>
+            <a:spLocks noGrp="1"/>
+          </p:cNvSpPr>
+          <p:nvPr>
+            <p:ph idx="1"/>
+          </p:nvPr>
+        </p:nvSpPr>
+        <p:spPr/>
+        <p:txBody>
+          <a:bodyPr>
+            <a:normAutofit fontScale="92500"/>
+          </a:bodyPr>
+          <a:lstStyle/>
+          <a:p>
+            <a:r>
+              <a:rPr lang="en-US" altLang="zh-CN" dirty="0"/>
+              <a:t>&lt;logger name="</a:t>
+            </a:r>
+            <a:r>
+              <a:rPr lang="en-US" altLang="zh-CN" dirty="0" err="1"/>
+              <a:t>com.zyhao</a:t>
+            </a:r>
+            <a:r>
+              <a:rPr lang="en-US" altLang="zh-CN" dirty="0"/>
+              <a:t>" additivity="false"&gt;</a:t>
+            </a:r>
+          </a:p>
+          <a:p>
+            <a:r>
+              <a:rPr lang="en-US" altLang="zh-CN" dirty="0"/>
+              <a:t>    &lt;level value="DEBUG" /&gt;</a:t>
+            </a:r>
+          </a:p>
+          <a:p>
+            <a:r>
+              <a:rPr lang="en-US" altLang="zh-CN" dirty="0"/>
+              <a:t>&lt;</a:t>
+            </a:r>
+            <a:r>
+              <a:rPr lang="en-US" altLang="zh-CN" dirty="0" err="1"/>
+              <a:t>appender</a:t>
+            </a:r>
+            <a:r>
+              <a:rPr lang="en-US" altLang="zh-CN" dirty="0"/>
+              <a:t>-ref ref="</a:t>
+            </a:r>
+            <a:r>
+              <a:rPr lang="en-US" altLang="zh-CN" dirty="0" err="1"/>
+              <a:t>dailyRollingFileAppender</a:t>
+            </a:r>
+            <a:r>
+              <a:rPr lang="en-US" altLang="zh-CN" dirty="0"/>
+              <a:t>"/&gt;</a:t>
+            </a:r>
+          </a:p>
+          <a:p>
+            <a:r>
+              <a:rPr lang="en-US" altLang="zh-CN" dirty="0"/>
+              <a:t>&lt;</a:t>
+            </a:r>
+            <a:r>
+              <a:rPr lang="en-US" altLang="zh-CN" dirty="0" err="1"/>
+              <a:t>appender</a:t>
+            </a:r>
+            <a:r>
+              <a:rPr lang="en-US" altLang="zh-CN" dirty="0"/>
+              <a:t>-ref ref="</a:t>
+            </a:r>
+            <a:r>
+              <a:rPr lang="en-US" altLang="zh-CN" dirty="0" err="1"/>
+              <a:t>minuteRollingFileAppender</a:t>
+            </a:r>
+            <a:r>
+              <a:rPr lang="en-US" altLang="zh-CN" dirty="0"/>
+              <a:t>"/&gt;</a:t>
+            </a:r>
+          </a:p>
+          <a:p>
+            <a:r>
+              <a:rPr lang="en-US" altLang="zh-CN" dirty="0"/>
+              <a:t>&lt;</a:t>
+            </a:r>
+            <a:r>
+              <a:rPr lang="en-US" altLang="zh-CN" dirty="0" err="1"/>
+              <a:t>appender</a:t>
+            </a:r>
+            <a:r>
+              <a:rPr lang="en-US" altLang="zh-CN" dirty="0"/>
+              <a:t>-ref ref="</a:t>
+            </a:r>
+            <a:r>
+              <a:rPr lang="en-US" altLang="zh-CN" dirty="0" err="1"/>
+              <a:t>consoleAppender</a:t>
+            </a:r>
+            <a:r>
+              <a:rPr lang="en-US" altLang="zh-CN" dirty="0"/>
+              <a:t>" /&gt;</a:t>
+            </a:r>
+          </a:p>
+          <a:p>
+            <a:r>
+              <a:rPr lang="en-US" altLang="zh-CN" dirty="0"/>
+              <a:t>&lt;/logger&gt;</a:t>
+            </a:r>
+            <a:endParaRPr lang="zh-CN" altLang="en-US" dirty="0"/>
+          </a:p>
+        </p:txBody>
+      </p:sp>
+    </p:spTree>
+    <p:extLst>
+      <p:ext uri="{BB962C8B-B14F-4D97-AF65-F5344CB8AC3E}">
+        <p14:creationId xmlns:p14="http://schemas.microsoft.com/office/powerpoint/2010/main" val="1070640813"/>
       </p:ext>
     </p:extLst>
   </p:cSld>
@@ -6989,7 +7827,7 @@
           <a:graphicData uri="http://schemas.openxmlformats.org/presentationml/2006/ole">
             <mc:AlternateContent xmlns:mc="http://schemas.openxmlformats.org/markup-compatibility/2006">
               <mc:Choice xmlns:v="urn:schemas-microsoft-com:vml" Requires="v">
-                <p:oleObj spid="_x0000_s3104" name="包装程序外壳对象" showAsIcon="1" r:id="rId4" imgW="1092600" imgH="711360" progId="Package">
+                <p:oleObj spid="_x0000_s3111" name="包装程序外壳对象" showAsIcon="1" r:id="rId4" imgW="1092600" imgH="711360" progId="Package">
                   <p:embed/>
                 </p:oleObj>
               </mc:Choice>
